--- a/Presentation/ProjectOne_Presentation_Final.pptx
+++ b/Presentation/ProjectOne_Presentation_Final.pptx
@@ -9471,6 +9471,41 @@
       </p:grpSpPr>
       <p:sp>
         <p:nvSpPr>
+          <p:cNvPr id="5" name="TextBox 4">
+            <a:extLst>
+              <a:ext uri="{FF2B5EF4-FFF2-40B4-BE49-F238E27FC236}">
+                <a16:creationId xmlns:a16="http://schemas.microsoft.com/office/drawing/2014/main" id="{CAC54EF4-8309-4CD9-9E1B-110BA0F3AEC3}"/>
+              </a:ext>
+            </a:extLst>
+          </p:cNvPr>
+          <p:cNvSpPr txBox="1"/>
+          <p:nvPr/>
+        </p:nvSpPr>
+        <p:spPr>
+          <a:xfrm>
+            <a:off x="3716623" y="4444352"/>
+            <a:ext cx="4483100" cy="307777"/>
+          </a:xfrm>
+          <a:prstGeom prst="rect">
+            <a:avLst/>
+          </a:prstGeom>
+          <a:noFill/>
+        </p:spPr>
+        <p:txBody>
+          <a:bodyPr wrap="square" rtlCol="0">
+            <a:spAutoFit/>
+          </a:bodyPr>
+          <a:lstStyle/>
+          <a:p>
+            <a:r>
+              <a:rPr lang="en-US" sz="1400" dirty="0"/>
+              <a:t>CA       CO      OR      TX      WA</a:t>
+            </a:r>
+          </a:p>
+        </p:txBody>
+      </p:sp>
+      <p:sp>
+        <p:nvSpPr>
           <p:cNvPr id="2" name="Title 1">
             <a:extLst>
               <a:ext uri="{FF2B5EF4-FFF2-40B4-BE49-F238E27FC236}">
@@ -9643,6 +9678,276 @@
           </a:prstGeom>
         </p:spPr>
       </p:pic>
+      <p:sp>
+        <p:nvSpPr>
+          <p:cNvPr id="4" name="Oval 3">
+            <a:extLst>
+              <a:ext uri="{FF2B5EF4-FFF2-40B4-BE49-F238E27FC236}">
+                <a16:creationId xmlns:a16="http://schemas.microsoft.com/office/drawing/2014/main" id="{436D7A5F-7682-430D-9B52-269264D8BA89}"/>
+              </a:ext>
+            </a:extLst>
+          </p:cNvPr>
+          <p:cNvSpPr/>
+          <p:nvPr/>
+        </p:nvSpPr>
+        <p:spPr>
+          <a:xfrm>
+            <a:off x="3630053" y="4532736"/>
+            <a:ext cx="154547" cy="133082"/>
+          </a:xfrm>
+          <a:prstGeom prst="ellipse">
+            <a:avLst/>
+          </a:prstGeom>
+          <a:solidFill>
+            <a:srgbClr val="FF0000"/>
+          </a:solidFill>
+          <a:ln>
+            <a:solidFill>
+              <a:srgbClr val="FF0000"/>
+            </a:solidFill>
+          </a:ln>
+        </p:spPr>
+        <p:style>
+          <a:lnRef idx="2">
+            <a:schemeClr val="accent1">
+              <a:shade val="50000"/>
+            </a:schemeClr>
+          </a:lnRef>
+          <a:fillRef idx="1">
+            <a:schemeClr val="accent1"/>
+          </a:fillRef>
+          <a:effectRef idx="0">
+            <a:schemeClr val="accent1"/>
+          </a:effectRef>
+          <a:fontRef idx="minor">
+            <a:schemeClr val="lt1"/>
+          </a:fontRef>
+        </p:style>
+        <p:txBody>
+          <a:bodyPr rtlCol="0" anchor="ctr"/>
+          <a:lstStyle/>
+          <a:p>
+            <a:pPr algn="ctr"/>
+            <a:endParaRPr lang="en-US"/>
+          </a:p>
+        </p:txBody>
+      </p:sp>
+      <p:sp>
+        <p:nvSpPr>
+          <p:cNvPr id="8" name="Oval 7">
+            <a:extLst>
+              <a:ext uri="{FF2B5EF4-FFF2-40B4-BE49-F238E27FC236}">
+                <a16:creationId xmlns:a16="http://schemas.microsoft.com/office/drawing/2014/main" id="{CFD2F2DC-65EE-41E8-A335-1E457B85374B}"/>
+              </a:ext>
+            </a:extLst>
+          </p:cNvPr>
+          <p:cNvSpPr/>
+          <p:nvPr/>
+        </p:nvSpPr>
+        <p:spPr>
+          <a:xfrm>
+            <a:off x="4125889" y="4533290"/>
+            <a:ext cx="154547" cy="133082"/>
+          </a:xfrm>
+          <a:prstGeom prst="ellipse">
+            <a:avLst/>
+          </a:prstGeom>
+          <a:solidFill>
+            <a:srgbClr val="0000FF"/>
+          </a:solidFill>
+          <a:ln>
+            <a:solidFill>
+              <a:srgbClr val="0000FF"/>
+            </a:solidFill>
+          </a:ln>
+        </p:spPr>
+        <p:style>
+          <a:lnRef idx="2">
+            <a:schemeClr val="accent1">
+              <a:shade val="50000"/>
+            </a:schemeClr>
+          </a:lnRef>
+          <a:fillRef idx="1">
+            <a:schemeClr val="accent1"/>
+          </a:fillRef>
+          <a:effectRef idx="0">
+            <a:schemeClr val="accent1"/>
+          </a:effectRef>
+          <a:fontRef idx="minor">
+            <a:schemeClr val="lt1"/>
+          </a:fontRef>
+        </p:style>
+        <p:txBody>
+          <a:bodyPr rtlCol="0" anchor="ctr"/>
+          <a:lstStyle/>
+          <a:p>
+            <a:pPr algn="ctr"/>
+            <a:endParaRPr lang="en-US"/>
+          </a:p>
+        </p:txBody>
+      </p:sp>
+      <p:sp>
+        <p:nvSpPr>
+          <p:cNvPr id="9" name="Oval 8">
+            <a:extLst>
+              <a:ext uri="{FF2B5EF4-FFF2-40B4-BE49-F238E27FC236}">
+                <a16:creationId xmlns:a16="http://schemas.microsoft.com/office/drawing/2014/main" id="{755E6B67-7D0F-4CF6-8972-BB5CCBE523BA}"/>
+              </a:ext>
+            </a:extLst>
+          </p:cNvPr>
+          <p:cNvSpPr/>
+          <p:nvPr/>
+        </p:nvSpPr>
+        <p:spPr>
+          <a:xfrm>
+            <a:off x="4596863" y="4531700"/>
+            <a:ext cx="154547" cy="133082"/>
+          </a:xfrm>
+          <a:prstGeom prst="ellipse">
+            <a:avLst/>
+          </a:prstGeom>
+          <a:solidFill>
+            <a:srgbClr val="FFA500"/>
+          </a:solidFill>
+          <a:ln>
+            <a:solidFill>
+              <a:srgbClr val="FFA500"/>
+            </a:solidFill>
+          </a:ln>
+        </p:spPr>
+        <p:style>
+          <a:lnRef idx="2">
+            <a:schemeClr val="accent1">
+              <a:shade val="50000"/>
+            </a:schemeClr>
+          </a:lnRef>
+          <a:fillRef idx="1">
+            <a:schemeClr val="accent1"/>
+          </a:fillRef>
+          <a:effectRef idx="0">
+            <a:schemeClr val="accent1"/>
+          </a:effectRef>
+          <a:fontRef idx="minor">
+            <a:schemeClr val="lt1"/>
+          </a:fontRef>
+        </p:style>
+        <p:txBody>
+          <a:bodyPr rtlCol="0" anchor="ctr"/>
+          <a:lstStyle/>
+          <a:p>
+            <a:pPr algn="ctr"/>
+            <a:endParaRPr lang="en-US"/>
+          </a:p>
+        </p:txBody>
+      </p:sp>
+      <p:sp>
+        <p:nvSpPr>
+          <p:cNvPr id="10" name="Oval 9">
+            <a:extLst>
+              <a:ext uri="{FF2B5EF4-FFF2-40B4-BE49-F238E27FC236}">
+                <a16:creationId xmlns:a16="http://schemas.microsoft.com/office/drawing/2014/main" id="{0CB7669E-68CE-4ED3-927B-ED635211CABA}"/>
+              </a:ext>
+            </a:extLst>
+          </p:cNvPr>
+          <p:cNvSpPr/>
+          <p:nvPr/>
+        </p:nvSpPr>
+        <p:spPr>
+          <a:xfrm>
+            <a:off x="5111184" y="4533085"/>
+            <a:ext cx="154547" cy="133082"/>
+          </a:xfrm>
+          <a:prstGeom prst="ellipse">
+            <a:avLst/>
+          </a:prstGeom>
+          <a:solidFill>
+            <a:srgbClr val="FFFF00"/>
+          </a:solidFill>
+          <a:ln>
+            <a:solidFill>
+              <a:srgbClr val="FFFF00"/>
+            </a:solidFill>
+          </a:ln>
+        </p:spPr>
+        <p:style>
+          <a:lnRef idx="2">
+            <a:schemeClr val="accent1">
+              <a:shade val="50000"/>
+            </a:schemeClr>
+          </a:lnRef>
+          <a:fillRef idx="1">
+            <a:schemeClr val="accent1"/>
+          </a:fillRef>
+          <a:effectRef idx="0">
+            <a:schemeClr val="accent1"/>
+          </a:effectRef>
+          <a:fontRef idx="minor">
+            <a:schemeClr val="lt1"/>
+          </a:fontRef>
+        </p:style>
+        <p:txBody>
+          <a:bodyPr rtlCol="0" anchor="ctr"/>
+          <a:lstStyle/>
+          <a:p>
+            <a:pPr algn="ctr"/>
+            <a:endParaRPr lang="en-US"/>
+          </a:p>
+        </p:txBody>
+      </p:sp>
+      <p:sp>
+        <p:nvSpPr>
+          <p:cNvPr id="12" name="Oval 11">
+            <a:extLst>
+              <a:ext uri="{FF2B5EF4-FFF2-40B4-BE49-F238E27FC236}">
+                <a16:creationId xmlns:a16="http://schemas.microsoft.com/office/drawing/2014/main" id="{FB5569B7-28DD-42AC-B6D8-EC27757BA239}"/>
+              </a:ext>
+            </a:extLst>
+          </p:cNvPr>
+          <p:cNvSpPr/>
+          <p:nvPr/>
+        </p:nvSpPr>
+        <p:spPr>
+          <a:xfrm>
+            <a:off x="5563674" y="4531700"/>
+            <a:ext cx="154547" cy="133082"/>
+          </a:xfrm>
+          <a:prstGeom prst="ellipse">
+            <a:avLst/>
+          </a:prstGeom>
+          <a:solidFill>
+            <a:srgbClr val="800000"/>
+          </a:solidFill>
+          <a:ln>
+            <a:solidFill>
+              <a:srgbClr val="800000"/>
+            </a:solidFill>
+          </a:ln>
+        </p:spPr>
+        <p:style>
+          <a:lnRef idx="2">
+            <a:schemeClr val="accent1">
+              <a:shade val="50000"/>
+            </a:schemeClr>
+          </a:lnRef>
+          <a:fillRef idx="1">
+            <a:schemeClr val="accent1"/>
+          </a:fillRef>
+          <a:effectRef idx="0">
+            <a:schemeClr val="accent1"/>
+          </a:effectRef>
+          <a:fontRef idx="minor">
+            <a:schemeClr val="lt1"/>
+          </a:fontRef>
+        </p:style>
+        <p:txBody>
+          <a:bodyPr rtlCol="0" anchor="ctr"/>
+          <a:lstStyle/>
+          <a:p>
+            <a:pPr algn="ctr"/>
+            <a:endParaRPr lang="en-US"/>
+          </a:p>
+        </p:txBody>
+      </p:sp>
     </p:spTree>
     <p:extLst>
       <p:ext uri="{BB962C8B-B14F-4D97-AF65-F5344CB8AC3E}">
